--- a/wxai-conference_workshop_light.pptx
+++ b/wxai-conference_workshop_light.pptx
@@ -272,7 +272,7 @@
           <a:p>
             <a:fld id="{8C8A512D-7014-FA45-8234-610596D80096}" type="datetimeFigureOut">
               <a:rPr lang="en-US" smtClean="0"/>
-              <a:t>11/26/24</a:t>
+              <a:t>11/27/24</a:t>
             </a:fld>
             <a:endParaRPr lang="en-US"/>
           </a:p>
@@ -470,7 +470,7 @@
           <a:p>
             <a:fld id="{8C8A512D-7014-FA45-8234-610596D80096}" type="datetimeFigureOut">
               <a:rPr lang="en-US" smtClean="0"/>
-              <a:t>11/26/24</a:t>
+              <a:t>11/27/24</a:t>
             </a:fld>
             <a:endParaRPr lang="en-US"/>
           </a:p>
@@ -678,7 +678,7 @@
           <a:p>
             <a:fld id="{8C8A512D-7014-FA45-8234-610596D80096}" type="datetimeFigureOut">
               <a:rPr lang="en-US" smtClean="0"/>
-              <a:t>11/26/24</a:t>
+              <a:t>11/27/24</a:t>
             </a:fld>
             <a:endParaRPr lang="en-US"/>
           </a:p>
@@ -876,7 +876,7 @@
           <a:p>
             <a:fld id="{8C8A512D-7014-FA45-8234-610596D80096}" type="datetimeFigureOut">
               <a:rPr lang="en-US" smtClean="0"/>
-              <a:t>11/26/24</a:t>
+              <a:t>11/27/24</a:t>
             </a:fld>
             <a:endParaRPr lang="en-US"/>
           </a:p>
@@ -1151,7 +1151,7 @@
           <a:p>
             <a:fld id="{8C8A512D-7014-FA45-8234-610596D80096}" type="datetimeFigureOut">
               <a:rPr lang="en-US" smtClean="0"/>
-              <a:t>11/26/24</a:t>
+              <a:t>11/27/24</a:t>
             </a:fld>
             <a:endParaRPr lang="en-US"/>
           </a:p>
@@ -1416,7 +1416,7 @@
           <a:p>
             <a:fld id="{8C8A512D-7014-FA45-8234-610596D80096}" type="datetimeFigureOut">
               <a:rPr lang="en-US" smtClean="0"/>
-              <a:t>11/26/24</a:t>
+              <a:t>11/27/24</a:t>
             </a:fld>
             <a:endParaRPr lang="en-US"/>
           </a:p>
@@ -1828,7 +1828,7 @@
           <a:p>
             <a:fld id="{8C8A512D-7014-FA45-8234-610596D80096}" type="datetimeFigureOut">
               <a:rPr lang="en-US" smtClean="0"/>
-              <a:t>11/26/24</a:t>
+              <a:t>11/27/24</a:t>
             </a:fld>
             <a:endParaRPr lang="en-US"/>
           </a:p>
@@ -1969,7 +1969,7 @@
           <a:p>
             <a:fld id="{8C8A512D-7014-FA45-8234-610596D80096}" type="datetimeFigureOut">
               <a:rPr lang="en-US" smtClean="0"/>
-              <a:t>11/26/24</a:t>
+              <a:t>11/27/24</a:t>
             </a:fld>
             <a:endParaRPr lang="en-US"/>
           </a:p>
@@ -2082,7 +2082,7 @@
           <a:p>
             <a:fld id="{8C8A512D-7014-FA45-8234-610596D80096}" type="datetimeFigureOut">
               <a:rPr lang="en-US" smtClean="0"/>
-              <a:t>11/26/24</a:t>
+              <a:t>11/27/24</a:t>
             </a:fld>
             <a:endParaRPr lang="en-US"/>
           </a:p>
@@ -2393,7 +2393,7 @@
           <a:p>
             <a:fld id="{8C8A512D-7014-FA45-8234-610596D80096}" type="datetimeFigureOut">
               <a:rPr lang="en-US" smtClean="0"/>
-              <a:t>11/26/24</a:t>
+              <a:t>11/27/24</a:t>
             </a:fld>
             <a:endParaRPr lang="en-US"/>
           </a:p>
@@ -2681,7 +2681,7 @@
           <a:p>
             <a:fld id="{8C8A512D-7014-FA45-8234-610596D80096}" type="datetimeFigureOut">
               <a:rPr lang="en-US" smtClean="0"/>
-              <a:t>11/26/24</a:t>
+              <a:t>11/27/24</a:t>
             </a:fld>
             <a:endParaRPr lang="en-US"/>
           </a:p>
@@ -2922,7 +2922,7 @@
           <a:p>
             <a:fld id="{8C8A512D-7014-FA45-8234-610596D80096}" type="datetimeFigureOut">
               <a:rPr lang="en-US" smtClean="0"/>
-              <a:t>11/26/24</a:t>
+              <a:t>11/27/24</a:t>
             </a:fld>
             <a:endParaRPr lang="en-US"/>
           </a:p>
@@ -3357,7 +3357,9 @@
         </p:nvSpPr>
         <p:spPr/>
         <p:txBody>
-          <a:bodyPr/>
+          <a:bodyPr>
+            <a:normAutofit fontScale="90000"/>
+          </a:bodyPr>
           <a:lstStyle/>
           <a:p>
             <a:r>
@@ -3368,7 +3370,26 @@
                 <a:effectLst/>
                 <a:latin typeface="Tajawal"/>
               </a:rPr>
-              <a:t>Unlocking the Power of LLMs with RAG</a:t>
+              <a:t>Unlocking the Power of LLMs with </a:t>
+            </a:r>
+            <a:r>
+              <a:rPr lang="en-US" i="1" dirty="0">
+                <a:solidFill>
+                  <a:srgbClr val="000000"/>
+                </a:solidFill>
+                <a:latin typeface="Tajawal"/>
+              </a:rPr>
+              <a:t>Retrieval Augmented Generation (</a:t>
+            </a:r>
+            <a:r>
+              <a:rPr lang="en-US" b="0" i="1" dirty="0">
+                <a:solidFill>
+                  <a:srgbClr val="000000"/>
+                </a:solidFill>
+                <a:effectLst/>
+                <a:latin typeface="Tajawal"/>
+              </a:rPr>
+              <a:t>RAG)</a:t>
             </a:r>
             <a:endParaRPr lang="en-US" dirty="0"/>
           </a:p>
@@ -4094,10 +4115,44 @@
               </a:rPr>
               <a:t> platform resource hub provides more examples. </a:t>
             </a:r>
+          </a:p>
+          <a:p>
+            <a:pPr marL="285750" indent="-285750"/>
+            <a:endParaRPr lang="en-US" sz="1800" dirty="0">
+              <a:latin typeface="IBM Plex Sans" panose="020B0503050203000203" pitchFamily="34" charset="0"/>
+            </a:endParaRPr>
+          </a:p>
+          <a:p>
+            <a:pPr marL="0" indent="0">
+              <a:buNone/>
+            </a:pPr>
             <a:r>
               <a:rPr lang="en-US" sz="1800" dirty="0">
                 <a:latin typeface="IBM Plex Sans" panose="020B0503050203000203" pitchFamily="34" charset="0"/>
                 <a:hlinkClick r:id="rId3"/>
+              </a:rPr>
+              <a:t>https://github.com/IBM/watson-machine-learning-samples/tree/dda4dcf1f5b81eae08d63dbb9b097290e7caf9ba/cloud/notebooks/python_sdk/deployments/foundation_models/RAG#setup</a:t>
+            </a:r>
+            <a:endParaRPr lang="en-US" sz="1800" dirty="0">
+              <a:latin typeface="IBM Plex Sans" panose="020B0503050203000203" pitchFamily="34" charset="0"/>
+            </a:endParaRPr>
+          </a:p>
+          <a:p>
+            <a:pPr marL="0" indent="0">
+              <a:buNone/>
+            </a:pPr>
+            <a:endParaRPr lang="en-US" sz="1800" dirty="0">
+              <a:latin typeface="IBM Plex Sans" panose="020B0503050203000203" pitchFamily="34" charset="0"/>
+            </a:endParaRPr>
+          </a:p>
+          <a:p>
+            <a:pPr marL="0" indent="0">
+              <a:buNone/>
+            </a:pPr>
+            <a:r>
+              <a:rPr lang="en-US" sz="1800" dirty="0">
+                <a:latin typeface="IBM Plex Sans" panose="020B0503050203000203" pitchFamily="34" charset="0"/>
+                <a:hlinkClick r:id="rId4"/>
               </a:rPr>
               <a:t>https://dataplatform.cloud.ibm.com/exchange/public/entry/view/d3a5f957-a93b-46cd-82c1-c8d37d4f62c6?context=wx</a:t>
             </a:r>
@@ -4177,7 +4232,7 @@
         </p:spPr>
         <p:txBody>
           <a:bodyPr>
-            <a:normAutofit/>
+            <a:normAutofit fontScale="25000" lnSpcReduction="20000"/>
           </a:bodyPr>
           <a:lstStyle/>
           <a:p>
@@ -4185,9 +4240,41 @@
               <a:buNone/>
             </a:pPr>
             <a:r>
-              <a:rPr lang="en-US" sz="8000" dirty="0"/>
+              <a:rPr lang="en-US" sz="24000" dirty="0"/>
               <a:t>Thank You!</a:t>
             </a:r>
+          </a:p>
+          <a:p>
+            <a:pPr marL="0" indent="0" algn="ctr">
+              <a:buNone/>
+            </a:pPr>
+            <a:endParaRPr lang="en-US" sz="8000" dirty="0"/>
+          </a:p>
+          <a:p>
+            <a:pPr marL="0" indent="0" algn="ctr">
+              <a:buNone/>
+            </a:pPr>
+            <a:r>
+              <a:rPr lang="en-US" sz="6400" dirty="0">
+                <a:hlinkClick r:id="rId2"/>
+              </a:rPr>
+              <a:t>haybu@hotmail.com</a:t>
+            </a:r>
+            <a:endParaRPr lang="en-US" sz="6400" dirty="0"/>
+          </a:p>
+          <a:p>
+            <a:pPr marL="0" indent="0" algn="ctr">
+              <a:buNone/>
+            </a:pPr>
+            <a:r>
+              <a:rPr lang="en-US" sz="6400" dirty="0"/>
+              <a:t>@</a:t>
+            </a:r>
+            <a:r>
+              <a:rPr lang="en-US" sz="6400" dirty="0" err="1"/>
+              <a:t>HayMahMoh</a:t>
+            </a:r>
+            <a:endParaRPr lang="en-US" sz="6400" dirty="0"/>
           </a:p>
         </p:txBody>
       </p:sp>
@@ -4284,13 +4371,10 @@
                 </a:solidFill>
                 <a:latin typeface="IBM Plex Sans" panose="020B0503050203000203" pitchFamily="34" charset="0"/>
               </a:rPr>
-              <a:t>A large language model takes a user input and creates a response based on information it was trained on—or what it already knows</a:t>
-            </a:r>
-          </a:p>
-          <a:p>
-            <a:pPr marL="0" indent="0">
-              <a:buNone/>
-            </a:pPr>
+              <a:t>LLMs can reason about wide-ranging topics, but their knowledge is limited to the public data up to a specific point in time that they were trained on. (i.e., GTP-4 Turbo – 4/2023)</a:t>
+            </a:r>
+          </a:p>
+          <a:p>
             <a:endParaRPr lang="en-US" sz="1600" dirty="0">
               <a:solidFill>
                 <a:srgbClr val="161616"/>
@@ -4306,10 +4390,13 @@
                 </a:solidFill>
                 <a:latin typeface="IBM Plex Sans" panose="020B0503050203000203" pitchFamily="34" charset="0"/>
               </a:rPr>
-              <a:t>A large language model may not have up-to-date information or context about asked questions</a:t>
-            </a:r>
-          </a:p>
-          <a:p>
+              <a:t>A large language model (LLM) takes a user’s prompt and generates a response.</a:t>
+            </a:r>
+          </a:p>
+          <a:p>
+            <a:pPr marL="0" indent="0">
+              <a:buNone/>
+            </a:pPr>
             <a:endParaRPr lang="en-US" sz="1600" dirty="0">
               <a:solidFill>
                 <a:srgbClr val="161616"/>
@@ -4465,7 +4552,7 @@
           <a:p>
             <a:r>
               <a:rPr lang="en-US" dirty="0"/>
-              <a:t>Stuffing LLM</a:t>
+              <a:t>In-Context Learning LLM</a:t>
             </a:r>
           </a:p>
         </p:txBody>
@@ -4505,8 +4592,54 @@
                 </a:solidFill>
                 <a:latin typeface="IBM Plex Sans" panose="020B0503050203000203" pitchFamily="34" charset="0"/>
               </a:rPr>
-              <a:t>Guiding a large language model with a provided fact / information / context would help generating more truthful answers.</a:t>
-            </a:r>
+              <a:t>If you want to build AI applications that can reason about private data or data introduced after a model's cutoff date, you need to augment the knowledge of the model with the specific information it needs.</a:t>
+            </a:r>
+          </a:p>
+          <a:p>
+            <a:endParaRPr lang="en-US" sz="1100" dirty="0">
+              <a:solidFill>
+                <a:srgbClr val="1C1E21"/>
+              </a:solidFill>
+              <a:latin typeface="Public Sans"/>
+            </a:endParaRPr>
+          </a:p>
+          <a:p>
+            <a:r>
+              <a:rPr lang="en-US" sz="1600" dirty="0">
+                <a:solidFill>
+                  <a:srgbClr val="161616"/>
+                </a:solidFill>
+                <a:latin typeface="IBM Plex Sans" panose="020B0503050203000203" pitchFamily="34" charset="0"/>
+              </a:rPr>
+              <a:t>“In-context learning” is a technique for augmenting LLM knowledge with additional data.</a:t>
+            </a:r>
+          </a:p>
+          <a:p>
+            <a:endParaRPr lang="en-US" sz="1600" dirty="0">
+              <a:solidFill>
+                <a:srgbClr val="161616"/>
+              </a:solidFill>
+              <a:latin typeface="IBM Plex Sans" panose="020B0503050203000203" pitchFamily="34" charset="0"/>
+            </a:endParaRPr>
+          </a:p>
+          <a:p>
+            <a:r>
+              <a:rPr lang="en-US" sz="1600" dirty="0">
+                <a:solidFill>
+                  <a:srgbClr val="161616"/>
+                </a:solidFill>
+                <a:latin typeface="IBM Plex Sans" panose="020B0503050203000203" pitchFamily="34" charset="0"/>
+              </a:rPr>
+              <a:t>Guiding a large language model with a provided fact / information / context would help generating more relevant and truthful answers.</a:t>
+            </a:r>
+          </a:p>
+          <a:p>
+            <a:endParaRPr lang="en-US" sz="1600" dirty="0">
+              <a:solidFill>
+                <a:srgbClr val="161616"/>
+              </a:solidFill>
+              <a:latin typeface="IBM Plex Sans" panose="020B0503050203000203" pitchFamily="34" charset="0"/>
+            </a:endParaRPr>
           </a:p>
           <a:p>
             <a:pPr marL="0" indent="0">
@@ -4685,13 +4818,10 @@
                 </a:solidFill>
                 <a:latin typeface="IBM Plex Sans" panose="020B0503050203000203" pitchFamily="34" charset="0"/>
               </a:rPr>
-              <a:t>RAG (Retrieval-Augmented Generation) is the ability to retrieve facts from an external source to help ground LLMs and provide users detailed or updated information that otherwise might be missing in the LLM. </a:t>
-            </a:r>
-          </a:p>
-          <a:p>
-            <a:pPr marL="0" indent="0">
-              <a:buNone/>
-            </a:pPr>
+              <a:t>The process of bringing the appropriate information and inserting it into the model prompt is known as Retrieval Augmented Generation (RAG).</a:t>
+            </a:r>
+          </a:p>
+          <a:p>
             <a:endParaRPr lang="en-US" sz="1600" dirty="0">
               <a:solidFill>
                 <a:srgbClr val="161616"/>
@@ -4707,25 +4837,7 @@
                 </a:solidFill>
                 <a:latin typeface="IBM Plex Sans" panose="020B0503050203000203" pitchFamily="34" charset="0"/>
               </a:rPr>
-              <a:t>It was introduced in this paper: https://</a:t>
-            </a:r>
-            <a:r>
-              <a:rPr lang="en-US" sz="1600" dirty="0" err="1">
-                <a:solidFill>
-                  <a:srgbClr val="161616"/>
-                </a:solidFill>
-                <a:latin typeface="IBM Plex Sans" panose="020B0503050203000203" pitchFamily="34" charset="0"/>
-              </a:rPr>
-              <a:t>arxiv.org</a:t>
-            </a:r>
-            <a:r>
-              <a:rPr lang="en-US" sz="1600" dirty="0">
-                <a:solidFill>
-                  <a:srgbClr val="161616"/>
-                </a:solidFill>
-                <a:latin typeface="IBM Plex Sans" panose="020B0503050203000203" pitchFamily="34" charset="0"/>
-              </a:rPr>
-              <a:t>/abs/2005.11401</a:t>
+              <a:t>RAG supplements the LLM's internal representation of information.</a:t>
             </a:r>
           </a:p>
           <a:p>
@@ -4744,8 +4856,45 @@
                 </a:solidFill>
                 <a:latin typeface="IBM Plex Sans" panose="020B0503050203000203" pitchFamily="34" charset="0"/>
               </a:rPr>
-              <a:t>It supplements the LLM's internal representation of information.</a:t>
-            </a:r>
+              <a:t>RAG is technique enhances the retrieval accuracy and improves the quality of large language model (LLM) generated responses with data that is fetched from external sources.</a:t>
+            </a:r>
+          </a:p>
+          <a:p>
+            <a:r>
+              <a:rPr lang="en-US" sz="1600" dirty="0">
+                <a:solidFill>
+                  <a:srgbClr val="161616"/>
+                </a:solidFill>
+                <a:latin typeface="IBM Plex Sans" panose="020B0503050203000203" pitchFamily="34" charset="0"/>
+              </a:rPr>
+              <a:t>It was introduced in this paper: https://</a:t>
+            </a:r>
+            <a:r>
+              <a:rPr lang="en-US" sz="1600" dirty="0" err="1">
+                <a:solidFill>
+                  <a:srgbClr val="161616"/>
+                </a:solidFill>
+                <a:latin typeface="IBM Plex Sans" panose="020B0503050203000203" pitchFamily="34" charset="0"/>
+              </a:rPr>
+              <a:t>arxiv.org</a:t>
+            </a:r>
+            <a:r>
+              <a:rPr lang="en-US" sz="1600" dirty="0">
+                <a:solidFill>
+                  <a:srgbClr val="161616"/>
+                </a:solidFill>
+                <a:latin typeface="IBM Plex Sans" panose="020B0503050203000203" pitchFamily="34" charset="0"/>
+              </a:rPr>
+              <a:t>/abs/2005.11401</a:t>
+            </a:r>
+          </a:p>
+          <a:p>
+            <a:endParaRPr lang="en-US" sz="1600" dirty="0">
+              <a:solidFill>
+                <a:srgbClr val="161616"/>
+              </a:solidFill>
+              <a:latin typeface="IBM Plex Sans" panose="020B0503050203000203" pitchFamily="34" charset="0"/>
+            </a:endParaRPr>
           </a:p>
           <a:p>
             <a:pPr marL="0" indent="0">
@@ -4998,6 +5147,25 @@
               <a:buFont typeface="+mj-lt"/>
               <a:buAutoNum type="arabicPeriod"/>
             </a:pPr>
+            <a:r>
+              <a:rPr lang="en-US" sz="1600" b="0" i="1" dirty="0">
+                <a:solidFill>
+                  <a:srgbClr val="161616"/>
+                </a:solidFill>
+                <a:effectLst/>
+                <a:latin typeface="IBM Plex Sans" panose="020B0503050203000203" pitchFamily="34" charset="0"/>
+              </a:rPr>
+              <a:t>(Preferred</a:t>
+            </a:r>
+            <a:r>
+              <a:rPr lang="en-US" sz="1600" i="1" dirty="0">
+                <a:solidFill>
+                  <a:srgbClr val="161616"/>
+                </a:solidFill>
+                <a:latin typeface="IBM Plex Sans" panose="020B0503050203000203" pitchFamily="34" charset="0"/>
+              </a:rPr>
+              <a:t>) </a:t>
+            </a:r>
             <a:r>
               <a:rPr lang="en-US" sz="1600" b="0" i="1" dirty="0">
                 <a:solidFill>
@@ -6113,7 +6281,7 @@
           <a:p>
             <a:r>
               <a:rPr lang="en-US" dirty="0"/>
-              <a:t>What is RAG – Benefits &amp; Platform</a:t>
+              <a:t>RAG Benefits &amp; Platform</a:t>
             </a:r>
           </a:p>
         </p:txBody>
@@ -6353,8 +6521,8 @@
         </p:nvSpPr>
         <p:spPr>
           <a:xfrm>
-            <a:off x="2612572" y="1969781"/>
-            <a:ext cx="6592959" cy="369332"/>
+            <a:off x="7051247" y="2674945"/>
+            <a:ext cx="4011360" cy="1508105"/>
           </a:xfrm>
           <a:prstGeom prst="rect">
             <a:avLst/>
@@ -6362,31 +6530,48 @@
           <a:noFill/>
         </p:spPr>
         <p:txBody>
-          <a:bodyPr wrap="none" rtlCol="0">
+          <a:bodyPr wrap="square" rtlCol="0">
             <a:spAutoFit/>
           </a:bodyPr>
           <a:lstStyle/>
           <a:p>
             <a:r>
               <a:rPr lang="en-US" dirty="0"/>
-              <a:t>More guide: https://</a:t>
+              <a:t>More guide: </a:t>
+            </a:r>
+            <a:r>
+              <a:rPr lang="en-US" sz="1400" dirty="0">
+                <a:hlinkClick r:id="rId2"/>
+              </a:rPr>
+              <a:t>https://ibm.github.io/watsonx-prompt-lab/pre-work/</a:t>
+            </a:r>
+            <a:endParaRPr lang="en-US" sz="1400" dirty="0"/>
+          </a:p>
+          <a:p>
+            <a:endParaRPr lang="en-US" dirty="0"/>
+          </a:p>
+          <a:p>
+            <a:r>
+              <a:rPr lang="en-US" dirty="0"/>
+              <a:t>You can also try running locally </a:t>
             </a:r>
             <a:r>
               <a:rPr lang="en-US" dirty="0" err="1"/>
-              <a:t>ibm.github.io</a:t>
+              <a:t>ollama</a:t>
             </a:r>
             <a:r>
               <a:rPr lang="en-US" dirty="0"/>
-              <a:t>/</a:t>
-            </a:r>
-            <a:r>
-              <a:rPr lang="en-US" dirty="0" err="1"/>
-              <a:t>watsonx</a:t>
-            </a:r>
-            <a:r>
-              <a:rPr lang="en-US" dirty="0"/>
-              <a:t>-prompt-lab/pre-work/</a:t>
-            </a:r>
+              <a:t>: </a:t>
+            </a:r>
+          </a:p>
+          <a:p>
+            <a:r>
+              <a:rPr lang="en-US" sz="1200" dirty="0">
+                <a:hlinkClick r:id="rId3"/>
+              </a:rPr>
+              <a:t>https://ibm.github.io/granite-workshop/pre-work/#running-the-granite-notebooks-locally</a:t>
+            </a:r>
+            <a:endParaRPr lang="en-US" sz="1200" dirty="0"/>
           </a:p>
         </p:txBody>
       </p:sp>
@@ -6405,21 +6590,112 @@
           <p:nvPr/>
         </p:nvPicPr>
         <p:blipFill>
-          <a:blip r:embed="rId2"/>
+          <a:blip r:embed="rId4"/>
           <a:stretch>
             <a:fillRect/>
           </a:stretch>
         </p:blipFill>
         <p:spPr>
           <a:xfrm>
-            <a:off x="4100565" y="2921558"/>
-            <a:ext cx="3325167" cy="2696081"/>
+            <a:off x="583433" y="2986328"/>
+            <a:ext cx="1091920" cy="885341"/>
           </a:xfrm>
           <a:prstGeom prst="rect">
             <a:avLst/>
           </a:prstGeom>
         </p:spPr>
       </p:pic>
+      <p:sp>
+        <p:nvSpPr>
+          <p:cNvPr id="5" name="TextBox 4">
+            <a:extLst>
+              <a:ext uri="{FF2B5EF4-FFF2-40B4-BE49-F238E27FC236}">
+                <a16:creationId xmlns:a16="http://schemas.microsoft.com/office/drawing/2014/main" id="{BC5F80D1-69AE-2A9E-2461-B0116CDBF86D}"/>
+              </a:ext>
+            </a:extLst>
+          </p:cNvPr>
+          <p:cNvSpPr txBox="1"/>
+          <p:nvPr/>
+        </p:nvSpPr>
+        <p:spPr>
+          <a:xfrm>
+            <a:off x="1736296" y="2674947"/>
+            <a:ext cx="4506685" cy="1815882"/>
+          </a:xfrm>
+          <a:prstGeom prst="rect">
+            <a:avLst/>
+          </a:prstGeom>
+          <a:noFill/>
+        </p:spPr>
+        <p:txBody>
+          <a:bodyPr wrap="square" rtlCol="0">
+            <a:spAutoFit/>
+          </a:bodyPr>
+          <a:lstStyle/>
+          <a:p>
+            <a:r>
+              <a:rPr lang="en-US" sz="1400" dirty="0" err="1">
+                <a:latin typeface="IBM Plex Sans" panose="020B0503050203000203" pitchFamily="34" charset="0"/>
+              </a:rPr>
+              <a:t>Watsonx.ai</a:t>
+            </a:r>
+            <a:r>
+              <a:rPr lang="en-US" sz="1400" dirty="0">
+                <a:latin typeface="IBM Plex Sans" panose="020B0503050203000203" pitchFamily="34" charset="0"/>
+              </a:rPr>
+              <a:t> is an enterprise-level AI studio developed by IBM, part of the broader "</a:t>
+            </a:r>
+            <a:r>
+              <a:rPr lang="en-US" sz="1400" dirty="0" err="1">
+                <a:latin typeface="IBM Plex Sans" panose="020B0503050203000203" pitchFamily="34" charset="0"/>
+              </a:rPr>
+              <a:t>watsonx</a:t>
+            </a:r>
+            <a:r>
+              <a:rPr lang="en-US" sz="1400" dirty="0">
+                <a:latin typeface="IBM Plex Sans" panose="020B0503050203000203" pitchFamily="34" charset="0"/>
+              </a:rPr>
+              <a:t>" platform, which allows users to build, refine, validate, and deploy both traditional machine learning models and generative AI applications using foundation models, all within a single platform designed for business use cases; essentially providing a comprehensive toolset for AI development and deployment at scale.</a:t>
+            </a:r>
+          </a:p>
+        </p:txBody>
+      </p:sp>
+      <p:cxnSp>
+        <p:nvCxnSpPr>
+          <p:cNvPr id="7" name="Straight Connector 6">
+            <a:extLst>
+              <a:ext uri="{FF2B5EF4-FFF2-40B4-BE49-F238E27FC236}">
+                <a16:creationId xmlns:a16="http://schemas.microsoft.com/office/drawing/2014/main" id="{6736CF96-C473-14ED-0F43-C5C47805226A}"/>
+              </a:ext>
+            </a:extLst>
+          </p:cNvPr>
+          <p:cNvCxnSpPr/>
+          <p:nvPr/>
+        </p:nvCxnSpPr>
+        <p:spPr>
+          <a:xfrm>
+            <a:off x="6512403" y="2441121"/>
+            <a:ext cx="0" cy="2334985"/>
+          </a:xfrm>
+          <a:prstGeom prst="line">
+            <a:avLst/>
+          </a:prstGeom>
+        </p:spPr>
+        <p:style>
+          <a:lnRef idx="2">
+            <a:schemeClr val="accent1"/>
+          </a:lnRef>
+          <a:fillRef idx="0">
+            <a:schemeClr val="accent1"/>
+          </a:fillRef>
+          <a:effectRef idx="1">
+            <a:schemeClr val="accent1"/>
+          </a:effectRef>
+          <a:fontRef idx="minor">
+            <a:schemeClr val="tx1"/>
+          </a:fontRef>
+        </p:style>
+      </p:cxnSp>
     </p:spTree>
     <p:extLst>
       <p:ext uri="{BB962C8B-B14F-4D97-AF65-F5344CB8AC3E}">
